--- a/Slides/UPAI2019_04.pptx
+++ b/Slides/UPAI2019_04.pptx
@@ -5,7 +5,7 @@
     <p:sldMasterId id="2147483657" r:id="rId1"/>
   </p:sldMasterIdLst>
   <p:notesMasterIdLst>
-    <p:notesMasterId r:id="rId27"/>
+    <p:notesMasterId r:id="rId32"/>
   </p:notesMasterIdLst>
   <p:sldIdLst>
     <p:sldId id="256" r:id="rId2"/>
@@ -18,36 +18,30 @@
     <p:sldId id="418" r:id="rId9"/>
     <p:sldId id="421" r:id="rId10"/>
     <p:sldId id="423" r:id="rId11"/>
-    <p:sldId id="413" r:id="rId12"/>
-    <p:sldId id="425" r:id="rId13"/>
-    <p:sldId id="424" r:id="rId14"/>
-    <p:sldId id="426" r:id="rId15"/>
-    <p:sldId id="427" r:id="rId16"/>
-    <p:sldId id="428" r:id="rId17"/>
-    <p:sldId id="429" r:id="rId18"/>
-    <p:sldId id="430" r:id="rId19"/>
-    <p:sldId id="431" r:id="rId20"/>
-    <p:sldId id="432" r:id="rId21"/>
-    <p:sldId id="433" r:id="rId22"/>
-    <p:sldId id="434" r:id="rId23"/>
-    <p:sldId id="435" r:id="rId24"/>
-    <p:sldId id="436" r:id="rId25"/>
-    <p:sldId id="437" r:id="rId26"/>
+    <p:sldId id="440" r:id="rId12"/>
+    <p:sldId id="441" r:id="rId13"/>
+    <p:sldId id="444" r:id="rId14"/>
+    <p:sldId id="443" r:id="rId15"/>
+    <p:sldId id="413" r:id="rId16"/>
+    <p:sldId id="425" r:id="rId17"/>
+    <p:sldId id="424" r:id="rId18"/>
+    <p:sldId id="426" r:id="rId19"/>
+    <p:sldId id="427" r:id="rId20"/>
+    <p:sldId id="428" r:id="rId21"/>
+    <p:sldId id="429" r:id="rId22"/>
+    <p:sldId id="439" r:id="rId23"/>
+    <p:sldId id="431" r:id="rId24"/>
+    <p:sldId id="432" r:id="rId25"/>
+    <p:sldId id="433" r:id="rId26"/>
+    <p:sldId id="434" r:id="rId27"/>
+    <p:sldId id="435" r:id="rId28"/>
+    <p:sldId id="436" r:id="rId29"/>
+    <p:sldId id="437" r:id="rId30"/>
+    <p:sldId id="438" r:id="rId31"/>
   </p:sldIdLst>
   <p:sldSz cx="9144000" cy="5143500" type="screen16x9"/>
   <p:notesSz cx="6858000" cy="9144000"/>
   <p:embeddedFontLst>
-    <p:embeddedFont>
-      <p:font typeface="Roboto Condensed Light" panose="020B0604020202020204" charset="0"/>
-      <p:regular r:id="rId28"/>
-      <p:bold r:id="rId29"/>
-      <p:italic r:id="rId30"/>
-      <p:boldItalic r:id="rId31"/>
-    </p:embeddedFont>
-    <p:embeddedFont>
-      <p:font typeface="Cambria Math" panose="02040503050406030204" pitchFamily="18" charset="0"/>
-      <p:regular r:id="rId32"/>
-    </p:embeddedFont>
     <p:embeddedFont>
       <p:font typeface="Arvo" panose="020B0604020202020204" charset="0"/>
       <p:regular r:id="rId33"/>
@@ -61,6 +55,17 @@
       <p:bold r:id="rId38"/>
       <p:italic r:id="rId39"/>
       <p:boldItalic r:id="rId40"/>
+    </p:embeddedFont>
+    <p:embeddedFont>
+      <p:font typeface="Roboto Condensed Light" panose="020B0604020202020204" charset="0"/>
+      <p:regular r:id="rId41"/>
+      <p:bold r:id="rId42"/>
+      <p:italic r:id="rId43"/>
+      <p:boldItalic r:id="rId44"/>
+    </p:embeddedFont>
+    <p:embeddedFont>
+      <p:font typeface="Cambria Math" panose="02040503050406030204" pitchFamily="18" charset="0"/>
+      <p:regular r:id="rId45"/>
     </p:embeddedFont>
   </p:embeddedFontLst>
   <p:defaultTextStyle>
@@ -6358,7 +6363,7 @@
             <a:spLocks noGrp="1"/>
           </p:cNvSpPr>
           <p:nvPr>
-            <p:ph type="ctrTitle"/>
+            <p:ph type="title"/>
           </p:nvPr>
         </p:nvSpPr>
         <p:spPr/>
@@ -6366,22 +6371,18 @@
           <a:bodyPr/>
           <a:lstStyle/>
           <a:p>
-            <a:r>
-              <a:rPr lang="es-MX" dirty="0" smtClean="0"/>
-              <a:t>3</a:t>
-            </a:r>
-            <a:endParaRPr lang="es-MX" dirty="0"/>
+            <a:endParaRPr lang="es-MX"/>
           </a:p>
         </p:txBody>
       </p:sp>
       <p:sp>
         <p:nvSpPr>
-          <p:cNvPr id="3" name="Subtítulo 2"/>
+          <p:cNvPr id="3" name="Marcador de texto 2"/>
           <p:cNvSpPr>
             <a:spLocks noGrp="1"/>
           </p:cNvSpPr>
           <p:nvPr>
-            <p:ph type="subTitle" idx="1"/>
+            <p:ph type="body" idx="1"/>
           </p:nvPr>
         </p:nvSpPr>
         <p:spPr/>
@@ -6391,7 +6392,7 @@
           <a:p>
             <a:r>
               <a:rPr lang="es-MX" dirty="0" smtClean="0"/>
-              <a:t>Concepto de Racionalidad</a:t>
+              <a:t>Usamos programas de agentes, ya que es imposible codificar todas las posibles alternativas.</a:t>
             </a:r>
             <a:endParaRPr lang="es-MX" dirty="0"/>
           </a:p>
@@ -6432,7 +6433,7 @@
     </p:spTree>
     <p:extLst>
       <p:ext uri="{BB962C8B-B14F-4D97-AF65-F5344CB8AC3E}">
-        <p14:creationId xmlns:p14="http://schemas.microsoft.com/office/powerpoint/2010/main" val="3786052563"/>
+        <p14:creationId xmlns:p14="http://schemas.microsoft.com/office/powerpoint/2010/main" val="2664608700"/>
       </p:ext>
     </p:extLst>
   </p:cSld>
@@ -6461,6 +6462,649 @@
       </p:grpSpPr>
       <p:sp>
         <p:nvSpPr>
+          <p:cNvPr id="2" name="Título 1"/>
+          <p:cNvSpPr>
+            <a:spLocks noGrp="1"/>
+          </p:cNvSpPr>
+          <p:nvPr>
+            <p:ph type="title"/>
+          </p:nvPr>
+        </p:nvSpPr>
+        <p:spPr/>
+        <p:txBody>
+          <a:bodyPr/>
+          <a:lstStyle/>
+          <a:p>
+            <a:endParaRPr lang="es-MX"/>
+          </a:p>
+        </p:txBody>
+      </p:sp>
+      <p:sp>
+        <p:nvSpPr>
+          <p:cNvPr id="4" name="Marcador de número de diapositiva 3"/>
+          <p:cNvSpPr>
+            <a:spLocks noGrp="1"/>
+          </p:cNvSpPr>
+          <p:nvPr>
+            <p:ph type="sldNum" idx="12"/>
+          </p:nvPr>
+        </p:nvSpPr>
+        <p:spPr/>
+        <p:txBody>
+          <a:bodyPr/>
+          <a:lstStyle/>
+          <a:p>
+            <a:pPr marL="0" lvl="0" indent="0">
+              <a:spcBef>
+                <a:spcPts val="0"/>
+              </a:spcBef>
+              <a:spcAft>
+                <a:spcPts val="0"/>
+              </a:spcAft>
+              <a:buNone/>
+            </a:pPr>
+            <a:fld id="{00000000-1234-1234-1234-123412341234}" type="slidenum">
+              <a:rPr lang="es-MX" smtClean="0"/>
+              <a:t>12</a:t>
+            </a:fld>
+            <a:endParaRPr lang="es-MX"/>
+          </a:p>
+        </p:txBody>
+      </p:sp>
+      <p:pic>
+        <p:nvPicPr>
+          <p:cNvPr id="2050" name="Picture 2" descr="Image result for fortnite screenshots"/>
+          <p:cNvPicPr>
+            <a:picLocks noChangeAspect="1" noChangeArrowheads="1"/>
+          </p:cNvPicPr>
+          <p:nvPr/>
+        </p:nvPicPr>
+        <p:blipFill>
+          <a:blip r:embed="rId2">
+            <a:extLst>
+              <a:ext uri="{28A0092B-C50C-407E-A947-70E740481C1C}">
+                <a14:useLocalDpi xmlns:a14="http://schemas.microsoft.com/office/drawing/2010/main" val="0"/>
+              </a:ext>
+            </a:extLst>
+          </a:blip>
+          <a:srcRect/>
+          <a:stretch>
+            <a:fillRect/>
+          </a:stretch>
+        </p:blipFill>
+        <p:spPr bwMode="auto">
+          <a:xfrm>
+            <a:off x="38600" y="21713"/>
+            <a:ext cx="9105400" cy="5121787"/>
+          </a:xfrm>
+          <a:prstGeom prst="rect">
+            <a:avLst/>
+          </a:prstGeom>
+          <a:noFill/>
+          <a:extLst>
+            <a:ext uri="{909E8E84-426E-40DD-AFC4-6F175D3DCCD1}">
+              <a14:hiddenFill xmlns:a14="http://schemas.microsoft.com/office/drawing/2010/main">
+                <a:solidFill>
+                  <a:srgbClr val="FFFFFF"/>
+                </a:solidFill>
+              </a14:hiddenFill>
+            </a:ext>
+          </a:extLst>
+        </p:spPr>
+      </p:pic>
+      <p:sp>
+        <p:nvSpPr>
+          <p:cNvPr id="5" name="Elipse 4"/>
+          <p:cNvSpPr/>
+          <p:nvPr/>
+        </p:nvSpPr>
+        <p:spPr>
+          <a:xfrm>
+            <a:off x="4101737" y="2155372"/>
+            <a:ext cx="1443446" cy="777240"/>
+          </a:xfrm>
+          <a:prstGeom prst="ellipse">
+            <a:avLst/>
+          </a:prstGeom>
+          <a:noFill/>
+          <a:ln w="76200" cap="flat" cmpd="sng" algn="ctr">
+            <a:solidFill>
+              <a:schemeClr val="accent6"/>
+            </a:solidFill>
+            <a:prstDash val="solid"/>
+            <a:round/>
+            <a:headEnd type="none" w="med" len="med"/>
+            <a:tailEnd type="none" w="med" len="med"/>
+          </a:ln>
+        </p:spPr>
+        <p:style>
+          <a:lnRef idx="0">
+            <a:scrgbClr r="0" g="0" b="0"/>
+          </a:lnRef>
+          <a:fillRef idx="0">
+            <a:scrgbClr r="0" g="0" b="0"/>
+          </a:fillRef>
+          <a:effectRef idx="0">
+            <a:scrgbClr r="0" g="0" b="0"/>
+          </a:effectRef>
+          <a:fontRef idx="minor">
+            <a:schemeClr val="accent1"/>
+          </a:fontRef>
+        </p:style>
+        <p:txBody>
+          <a:bodyPr rtlCol="0" anchor="ctr"/>
+          <a:lstStyle/>
+          <a:p>
+            <a:pPr algn="ctr"/>
+            <a:r>
+              <a:rPr lang="es-MX" b="1" dirty="0" smtClean="0">
+                <a:solidFill>
+                  <a:srgbClr val="FF0000"/>
+                </a:solidFill>
+              </a:rPr>
+              <a:t>Mover el cursor</a:t>
+            </a:r>
+            <a:endParaRPr lang="es-MX" b="1" dirty="0">
+              <a:solidFill>
+                <a:srgbClr val="FF0000"/>
+              </a:solidFill>
+            </a:endParaRPr>
+          </a:p>
+        </p:txBody>
+      </p:sp>
+      <p:sp>
+        <p:nvSpPr>
+          <p:cNvPr id="7" name="Elipse 6"/>
+          <p:cNvSpPr/>
+          <p:nvPr/>
+        </p:nvSpPr>
+        <p:spPr>
+          <a:xfrm>
+            <a:off x="5649685" y="4056480"/>
+            <a:ext cx="3180805" cy="777240"/>
+          </a:xfrm>
+          <a:prstGeom prst="ellipse">
+            <a:avLst/>
+          </a:prstGeom>
+          <a:noFill/>
+          <a:ln w="76200" cap="flat" cmpd="sng" algn="ctr">
+            <a:solidFill>
+              <a:schemeClr val="accent6"/>
+            </a:solidFill>
+            <a:prstDash val="solid"/>
+            <a:round/>
+            <a:headEnd type="none" w="med" len="med"/>
+            <a:tailEnd type="none" w="med" len="med"/>
+          </a:ln>
+        </p:spPr>
+        <p:style>
+          <a:lnRef idx="0">
+            <a:scrgbClr r="0" g="0" b="0"/>
+          </a:lnRef>
+          <a:fillRef idx="0">
+            <a:scrgbClr r="0" g="0" b="0"/>
+          </a:fillRef>
+          <a:effectRef idx="0">
+            <a:scrgbClr r="0" g="0" b="0"/>
+          </a:effectRef>
+          <a:fontRef idx="minor">
+            <a:schemeClr val="accent1"/>
+          </a:fontRef>
+        </p:style>
+        <p:txBody>
+          <a:bodyPr rtlCol="0" anchor="ctr"/>
+          <a:lstStyle/>
+          <a:p>
+            <a:pPr algn="ctr"/>
+            <a:r>
+              <a:rPr lang="es-MX" b="1" dirty="0" smtClean="0">
+                <a:solidFill>
+                  <a:srgbClr val="FF0000"/>
+                </a:solidFill>
+              </a:rPr>
+              <a:t>Cambiar el </a:t>
+            </a:r>
+            <a:r>
+              <a:rPr lang="es-MX" b="1" dirty="0" err="1" smtClean="0">
+                <a:solidFill>
+                  <a:srgbClr val="FF0000"/>
+                </a:solidFill>
+              </a:rPr>
+              <a:t>item</a:t>
+            </a:r>
+            <a:endParaRPr lang="es-MX" b="1" dirty="0">
+              <a:solidFill>
+                <a:srgbClr val="FF0000"/>
+              </a:solidFill>
+            </a:endParaRPr>
+          </a:p>
+        </p:txBody>
+      </p:sp>
+    </p:spTree>
+    <p:extLst>
+      <p:ext uri="{BB962C8B-B14F-4D97-AF65-F5344CB8AC3E}">
+        <p14:creationId xmlns:p14="http://schemas.microsoft.com/office/powerpoint/2010/main" val="273225068"/>
+      </p:ext>
+    </p:extLst>
+  </p:cSld>
+  <p:clrMapOvr>
+    <a:masterClrMapping/>
+  </p:clrMapOvr>
+</p:sld>
+</file>
+
+<file path=ppt/slides/slide13.xml><?xml version="1.0" encoding="utf-8"?>
+<p:sld xmlns:a="http://schemas.openxmlformats.org/drawingml/2006/main" xmlns:r="http://schemas.openxmlformats.org/officeDocument/2006/relationships" xmlns:p="http://schemas.openxmlformats.org/presentationml/2006/main">
+  <p:cSld>
+    <p:spTree>
+      <p:nvGrpSpPr>
+        <p:cNvPr id="1" name=""/>
+        <p:cNvGrpSpPr/>
+        <p:nvPr/>
+      </p:nvGrpSpPr>
+      <p:grpSpPr>
+        <a:xfrm>
+          <a:off x="0" y="0"/>
+          <a:ext cx="0" cy="0"/>
+          <a:chOff x="0" y="0"/>
+          <a:chExt cx="0" cy="0"/>
+        </a:xfrm>
+      </p:grpSpPr>
+      <p:sp>
+        <p:nvSpPr>
+          <p:cNvPr id="2" name="Título 1"/>
+          <p:cNvSpPr>
+            <a:spLocks noGrp="1"/>
+          </p:cNvSpPr>
+          <p:nvPr>
+            <p:ph type="title"/>
+          </p:nvPr>
+        </p:nvSpPr>
+        <p:spPr/>
+        <p:txBody>
+          <a:bodyPr/>
+          <a:lstStyle/>
+          <a:p>
+            <a:r>
+              <a:rPr lang="es-MX" dirty="0" smtClean="0"/>
+              <a:t>Tabla</a:t>
+            </a:r>
+            <a:endParaRPr lang="es-MX" dirty="0"/>
+          </a:p>
+        </p:txBody>
+      </p:sp>
+      <p:sp>
+        <p:nvSpPr>
+          <p:cNvPr id="3" name="Marcador de texto 2"/>
+          <p:cNvSpPr>
+            <a:spLocks noGrp="1"/>
+          </p:cNvSpPr>
+          <p:nvPr>
+            <p:ph type="body" idx="1"/>
+          </p:nvPr>
+        </p:nvSpPr>
+        <p:spPr/>
+        <p:txBody>
+          <a:bodyPr/>
+          <a:lstStyle/>
+          <a:p>
+            <a:endParaRPr lang="es-MX"/>
+          </a:p>
+        </p:txBody>
+      </p:sp>
+      <p:sp>
+        <p:nvSpPr>
+          <p:cNvPr id="4" name="Marcador de número de diapositiva 3"/>
+          <p:cNvSpPr>
+            <a:spLocks noGrp="1"/>
+          </p:cNvSpPr>
+          <p:nvPr>
+            <p:ph type="sldNum" idx="12"/>
+          </p:nvPr>
+        </p:nvSpPr>
+        <p:spPr/>
+        <p:txBody>
+          <a:bodyPr/>
+          <a:lstStyle/>
+          <a:p>
+            <a:pPr marL="0" lvl="0" indent="0">
+              <a:spcBef>
+                <a:spcPts val="0"/>
+              </a:spcBef>
+              <a:spcAft>
+                <a:spcPts val="0"/>
+              </a:spcAft>
+              <a:buNone/>
+            </a:pPr>
+            <a:fld id="{00000000-1234-1234-1234-123412341234}" type="slidenum">
+              <a:rPr lang="es-MX" smtClean="0"/>
+              <a:t>13</a:t>
+            </a:fld>
+            <a:endParaRPr lang="es-MX"/>
+          </a:p>
+        </p:txBody>
+      </p:sp>
+    </p:spTree>
+    <p:extLst>
+      <p:ext uri="{BB962C8B-B14F-4D97-AF65-F5344CB8AC3E}">
+        <p14:creationId xmlns:p14="http://schemas.microsoft.com/office/powerpoint/2010/main" val="1582010389"/>
+      </p:ext>
+    </p:extLst>
+  </p:cSld>
+  <p:clrMapOvr>
+    <a:masterClrMapping/>
+  </p:clrMapOvr>
+</p:sld>
+</file>
+
+<file path=ppt/slides/slide14.xml><?xml version="1.0" encoding="utf-8"?>
+<p:sld xmlns:a="http://schemas.openxmlformats.org/drawingml/2006/main" xmlns:r="http://schemas.openxmlformats.org/officeDocument/2006/relationships" xmlns:p="http://schemas.openxmlformats.org/presentationml/2006/main">
+  <p:cSld>
+    <p:spTree>
+      <p:nvGrpSpPr>
+        <p:cNvPr id="1" name=""/>
+        <p:cNvGrpSpPr/>
+        <p:nvPr/>
+      </p:nvGrpSpPr>
+      <p:grpSpPr>
+        <a:xfrm>
+          <a:off x="0" y="0"/>
+          <a:ext cx="0" cy="0"/>
+          <a:chOff x="0" y="0"/>
+          <a:chExt cx="0" cy="0"/>
+        </a:xfrm>
+      </p:grpSpPr>
+      <p:sp>
+        <p:nvSpPr>
+          <p:cNvPr id="2" name="Título 1"/>
+          <p:cNvSpPr>
+            <a:spLocks noGrp="1"/>
+          </p:cNvSpPr>
+          <p:nvPr>
+            <p:ph type="title"/>
+          </p:nvPr>
+        </p:nvSpPr>
+        <p:spPr/>
+        <p:txBody>
+          <a:bodyPr/>
+          <a:lstStyle/>
+          <a:p>
+            <a:endParaRPr lang="es-MX"/>
+          </a:p>
+        </p:txBody>
+      </p:sp>
+      <p:sp>
+        <p:nvSpPr>
+          <p:cNvPr id="3" name="Marcador de texto 2"/>
+          <p:cNvSpPr>
+            <a:spLocks noGrp="1"/>
+          </p:cNvSpPr>
+          <p:nvPr>
+            <p:ph type="body" idx="1"/>
+          </p:nvPr>
+        </p:nvSpPr>
+        <p:spPr>
+          <a:xfrm>
+            <a:off x="814275" y="1327350"/>
+            <a:ext cx="3992856" cy="2826639"/>
+          </a:xfrm>
+        </p:spPr>
+        <p:txBody>
+          <a:bodyPr/>
+          <a:lstStyle/>
+          <a:p>
+            <a:r>
+              <a:rPr lang="es-MX" sz="1600" dirty="0" smtClean="0"/>
+              <a:t>Tarea 1:</a:t>
+            </a:r>
+          </a:p>
+          <a:p>
+            <a:pPr lvl="1"/>
+            <a:r>
+              <a:rPr lang="es-MX" sz="1600" dirty="0" smtClean="0"/>
+              <a:t>Elegir un videojuego.</a:t>
+            </a:r>
+          </a:p>
+          <a:p>
+            <a:pPr lvl="1"/>
+            <a:r>
+              <a:rPr lang="es-MX" sz="1600" dirty="0" smtClean="0"/>
+              <a:t>Describir en una forma muy concreta una tabla que describa la función de un agente.</a:t>
+            </a:r>
+          </a:p>
+          <a:p>
+            <a:pPr lvl="1"/>
+            <a:r>
+              <a:rPr lang="es-MX" sz="1600" dirty="0" smtClean="0"/>
+              <a:t>Que entradas y salidas necesitaría el programa del agente.</a:t>
+            </a:r>
+          </a:p>
+          <a:p>
+            <a:pPr lvl="1"/>
+            <a:r>
+              <a:rPr lang="es-MX" sz="1600" dirty="0" smtClean="0"/>
+              <a:t>Van a presentar 3 personas al azar.</a:t>
+            </a:r>
+          </a:p>
+          <a:p>
+            <a:pPr lvl="1"/>
+            <a:endParaRPr lang="es-MX" sz="1600" dirty="0"/>
+          </a:p>
+        </p:txBody>
+      </p:sp>
+      <p:sp>
+        <p:nvSpPr>
+          <p:cNvPr id="4" name="Marcador de número de diapositiva 3"/>
+          <p:cNvSpPr>
+            <a:spLocks noGrp="1"/>
+          </p:cNvSpPr>
+          <p:nvPr>
+            <p:ph type="sldNum" idx="12"/>
+          </p:nvPr>
+        </p:nvSpPr>
+        <p:spPr/>
+        <p:txBody>
+          <a:bodyPr/>
+          <a:lstStyle/>
+          <a:p>
+            <a:pPr marL="0" lvl="0" indent="0">
+              <a:spcBef>
+                <a:spcPts val="0"/>
+              </a:spcBef>
+              <a:spcAft>
+                <a:spcPts val="0"/>
+              </a:spcAft>
+              <a:buNone/>
+            </a:pPr>
+            <a:fld id="{00000000-1234-1234-1234-123412341234}" type="slidenum">
+              <a:rPr lang="es-MX" smtClean="0"/>
+              <a:t>14</a:t>
+            </a:fld>
+            <a:endParaRPr lang="es-MX"/>
+          </a:p>
+        </p:txBody>
+      </p:sp>
+      <p:pic>
+        <p:nvPicPr>
+          <p:cNvPr id="1026" name="Picture 2" descr="Image result for oscar"/>
+          <p:cNvPicPr>
+            <a:picLocks noChangeAspect="1" noChangeArrowheads="1"/>
+          </p:cNvPicPr>
+          <p:nvPr/>
+        </p:nvPicPr>
+        <p:blipFill>
+          <a:blip r:embed="rId2">
+            <a:extLst>
+              <a:ext uri="{28A0092B-C50C-407E-A947-70E740481C1C}">
+                <a14:useLocalDpi xmlns:a14="http://schemas.microsoft.com/office/drawing/2010/main" val="0"/>
+              </a:ext>
+            </a:extLst>
+          </a:blip>
+          <a:srcRect/>
+          <a:stretch>
+            <a:fillRect/>
+          </a:stretch>
+        </p:blipFill>
+        <p:spPr bwMode="auto">
+          <a:xfrm>
+            <a:off x="6413744" y="1913708"/>
+            <a:ext cx="1346864" cy="2441576"/>
+          </a:xfrm>
+          <a:prstGeom prst="rect">
+            <a:avLst/>
+          </a:prstGeom>
+          <a:noFill/>
+          <a:extLst>
+            <a:ext uri="{909E8E84-426E-40DD-AFC4-6F175D3DCCD1}">
+              <a14:hiddenFill xmlns:a14="http://schemas.microsoft.com/office/drawing/2010/main">
+                <a:solidFill>
+                  <a:srgbClr val="FFFFFF"/>
+                </a:solidFill>
+              </a14:hiddenFill>
+            </a:ext>
+          </a:extLst>
+        </p:spPr>
+      </p:pic>
+    </p:spTree>
+    <p:extLst>
+      <p:ext uri="{BB962C8B-B14F-4D97-AF65-F5344CB8AC3E}">
+        <p14:creationId xmlns:p14="http://schemas.microsoft.com/office/powerpoint/2010/main" val="3931222505"/>
+      </p:ext>
+    </p:extLst>
+  </p:cSld>
+  <p:clrMapOvr>
+    <a:masterClrMapping/>
+  </p:clrMapOvr>
+</p:sld>
+</file>
+
+<file path=ppt/slides/slide15.xml><?xml version="1.0" encoding="utf-8"?>
+<p:sld xmlns:a="http://schemas.openxmlformats.org/drawingml/2006/main" xmlns:r="http://schemas.openxmlformats.org/officeDocument/2006/relationships" xmlns:p="http://schemas.openxmlformats.org/presentationml/2006/main">
+  <p:cSld>
+    <p:spTree>
+      <p:nvGrpSpPr>
+        <p:cNvPr id="1" name=""/>
+        <p:cNvGrpSpPr/>
+        <p:nvPr/>
+      </p:nvGrpSpPr>
+      <p:grpSpPr>
+        <a:xfrm>
+          <a:off x="0" y="0"/>
+          <a:ext cx="0" cy="0"/>
+          <a:chOff x="0" y="0"/>
+          <a:chExt cx="0" cy="0"/>
+        </a:xfrm>
+      </p:grpSpPr>
+      <p:sp>
+        <p:nvSpPr>
+          <p:cNvPr id="2" name="Título 1"/>
+          <p:cNvSpPr>
+            <a:spLocks noGrp="1"/>
+          </p:cNvSpPr>
+          <p:nvPr>
+            <p:ph type="ctrTitle"/>
+          </p:nvPr>
+        </p:nvSpPr>
+        <p:spPr/>
+        <p:txBody>
+          <a:bodyPr/>
+          <a:lstStyle/>
+          <a:p>
+            <a:r>
+              <a:rPr lang="es-MX" dirty="0" smtClean="0"/>
+              <a:t>3</a:t>
+            </a:r>
+            <a:endParaRPr lang="es-MX" dirty="0"/>
+          </a:p>
+        </p:txBody>
+      </p:sp>
+      <p:sp>
+        <p:nvSpPr>
+          <p:cNvPr id="3" name="Subtítulo 2"/>
+          <p:cNvSpPr>
+            <a:spLocks noGrp="1"/>
+          </p:cNvSpPr>
+          <p:nvPr>
+            <p:ph type="subTitle" idx="1"/>
+          </p:nvPr>
+        </p:nvSpPr>
+        <p:spPr/>
+        <p:txBody>
+          <a:bodyPr/>
+          <a:lstStyle/>
+          <a:p>
+            <a:r>
+              <a:rPr lang="es-MX" dirty="0" smtClean="0"/>
+              <a:t>Concepto de Racionalidad</a:t>
+            </a:r>
+            <a:endParaRPr lang="es-MX" dirty="0"/>
+          </a:p>
+        </p:txBody>
+      </p:sp>
+      <p:sp>
+        <p:nvSpPr>
+          <p:cNvPr id="4" name="Marcador de número de diapositiva 3"/>
+          <p:cNvSpPr>
+            <a:spLocks noGrp="1"/>
+          </p:cNvSpPr>
+          <p:nvPr>
+            <p:ph type="sldNum" idx="12"/>
+          </p:nvPr>
+        </p:nvSpPr>
+        <p:spPr/>
+        <p:txBody>
+          <a:bodyPr/>
+          <a:lstStyle/>
+          <a:p>
+            <a:pPr marL="0" lvl="0" indent="0">
+              <a:spcBef>
+                <a:spcPts val="0"/>
+              </a:spcBef>
+              <a:spcAft>
+                <a:spcPts val="0"/>
+              </a:spcAft>
+              <a:buNone/>
+            </a:pPr>
+            <a:fld id="{00000000-1234-1234-1234-123412341234}" type="slidenum">
+              <a:rPr lang="es-MX" smtClean="0"/>
+              <a:t>15</a:t>
+            </a:fld>
+            <a:endParaRPr lang="es-MX"/>
+          </a:p>
+        </p:txBody>
+      </p:sp>
+    </p:spTree>
+    <p:extLst>
+      <p:ext uri="{BB962C8B-B14F-4D97-AF65-F5344CB8AC3E}">
+        <p14:creationId xmlns:p14="http://schemas.microsoft.com/office/powerpoint/2010/main" val="3786052563"/>
+      </p:ext>
+    </p:extLst>
+  </p:cSld>
+  <p:clrMapOvr>
+    <a:masterClrMapping/>
+  </p:clrMapOvr>
+</p:sld>
+</file>
+
+<file path=ppt/slides/slide16.xml><?xml version="1.0" encoding="utf-8"?>
+<p:sld xmlns:a="http://schemas.openxmlformats.org/drawingml/2006/main" xmlns:r="http://schemas.openxmlformats.org/officeDocument/2006/relationships" xmlns:p="http://schemas.openxmlformats.org/presentationml/2006/main">
+  <p:cSld>
+    <p:spTree>
+      <p:nvGrpSpPr>
+        <p:cNvPr id="1" name=""/>
+        <p:cNvGrpSpPr/>
+        <p:nvPr/>
+      </p:nvGrpSpPr>
+      <p:grpSpPr>
+        <a:xfrm>
+          <a:off x="0" y="0"/>
+          <a:ext cx="0" cy="0"/>
+          <a:chOff x="0" y="0"/>
+          <a:chExt cx="0" cy="0"/>
+        </a:xfrm>
+      </p:grpSpPr>
+      <p:sp>
+        <p:nvSpPr>
           <p:cNvPr id="2" name="Marcador de número de diapositiva 1"/>
           <p:cNvSpPr>
             <a:spLocks noGrp="1"/>
@@ -6476,7 +7120,7 @@
           <a:p>
             <a:fld id="{FCDD6BAC-CCD5-4E98-95CD-357AD7155BD4}" type="slidenum">
               <a:rPr lang="en-US" smtClean="0"/>
-              <a:t>12</a:t>
+              <a:t>16</a:t>
             </a:fld>
             <a:endParaRPr lang="en-US"/>
           </a:p>
@@ -6536,7 +7180,7 @@
 </p:sld>
 </file>
 
-<file path=ppt/slides/slide13.xml><?xml version="1.0" encoding="utf-8"?>
+<file path=ppt/slides/slide17.xml><?xml version="1.0" encoding="utf-8"?>
 <p:sld xmlns:a="http://schemas.openxmlformats.org/drawingml/2006/main" xmlns:r="http://schemas.openxmlformats.org/officeDocument/2006/relationships" xmlns:p="http://schemas.openxmlformats.org/presentationml/2006/main">
   <p:cSld>
     <p:spTree>
@@ -6579,7 +7223,7 @@
             </a:pPr>
             <a:fld id="{00000000-1234-1234-1234-123412341234}" type="slidenum">
               <a:rPr lang="es-MX" smtClean="0"/>
-              <a:t>13</a:t>
+              <a:t>17</a:t>
             </a:fld>
             <a:endParaRPr lang="es-MX"/>
           </a:p>
@@ -6639,7 +7283,7 @@
 </p:sld>
 </file>
 
-<file path=ppt/slides/slide14.xml><?xml version="1.0" encoding="utf-8"?>
+<file path=ppt/slides/slide18.xml><?xml version="1.0" encoding="utf-8"?>
 <p:sld xmlns:a="http://schemas.openxmlformats.org/drawingml/2006/main" xmlns:r="http://schemas.openxmlformats.org/officeDocument/2006/relationships" xmlns:p="http://schemas.openxmlformats.org/presentationml/2006/main">
   <p:cSld>
     <p:spTree>
@@ -6735,7 +7379,7 @@
           <a:p>
             <a:fld id="{FCDD6BAC-CCD5-4E98-95CD-357AD7155BD4}" type="slidenum">
               <a:rPr lang="en-US" smtClean="0"/>
-              <a:t>14</a:t>
+              <a:t>18</a:t>
             </a:fld>
             <a:endParaRPr lang="en-US"/>
           </a:p>
@@ -6754,7 +7398,7 @@
 </p:sld>
 </file>
 
-<file path=ppt/slides/slide15.xml><?xml version="1.0" encoding="utf-8"?>
+<file path=ppt/slides/slide19.xml><?xml version="1.0" encoding="utf-8"?>
 <p:sld xmlns:a="http://schemas.openxmlformats.org/drawingml/2006/main" xmlns:r="http://schemas.openxmlformats.org/officeDocument/2006/relationships" xmlns:p="http://schemas.openxmlformats.org/presentationml/2006/main">
   <p:cSld>
     <p:spTree>
@@ -6797,7 +7441,7 @@
             </a:pPr>
             <a:fld id="{00000000-1234-1234-1234-123412341234}" type="slidenum">
               <a:rPr lang="es-MX" smtClean="0"/>
-              <a:t>15</a:t>
+              <a:t>19</a:t>
             </a:fld>
             <a:endParaRPr lang="es-MX"/>
           </a:p>
@@ -6929,7 +7573,212 @@
 </p:sld>
 </file>
 
-<file path=ppt/slides/slide16.xml><?xml version="1.0" encoding="utf-8"?>
+<file path=ppt/slides/slide2.xml><?xml version="1.0" encoding="utf-8"?>
+<p:sld xmlns:a="http://schemas.openxmlformats.org/drawingml/2006/main" xmlns:r="http://schemas.openxmlformats.org/officeDocument/2006/relationships" xmlns:p="http://schemas.openxmlformats.org/presentationml/2006/main">
+  <p:cSld>
+    <p:spTree>
+      <p:nvGrpSpPr>
+        <p:cNvPr id="1" name="Shape 220"/>
+        <p:cNvGrpSpPr/>
+        <p:nvPr/>
+      </p:nvGrpSpPr>
+      <p:grpSpPr>
+        <a:xfrm>
+          <a:off x="0" y="0"/>
+          <a:ext cx="0" cy="0"/>
+          <a:chOff x="0" y="0"/>
+          <a:chExt cx="0" cy="0"/>
+        </a:xfrm>
+      </p:grpSpPr>
+      <p:sp>
+        <p:nvSpPr>
+          <p:cNvPr id="221" name="Google Shape;221;p14"/>
+          <p:cNvSpPr txBox="1">
+            <a:spLocks noGrp="1"/>
+          </p:cNvSpPr>
+          <p:nvPr>
+            <p:ph type="ctrTitle"/>
+          </p:nvPr>
+        </p:nvSpPr>
+        <p:spPr>
+          <a:xfrm>
+            <a:off x="463525" y="2871148"/>
+            <a:ext cx="4094400" cy="1159800"/>
+          </a:xfrm>
+          <a:prstGeom prst="rect">
+            <a:avLst/>
+          </a:prstGeom>
+        </p:spPr>
+        <p:txBody>
+          <a:bodyPr spcFirstLastPara="1" wrap="square" lIns="91425" tIns="91425" rIns="91425" bIns="91425" anchor="b" anchorCtr="0">
+            <a:noAutofit/>
+          </a:bodyPr>
+          <a:lstStyle/>
+          <a:p>
+            <a:pPr marL="0" lvl="0" indent="0" rtl="0">
+              <a:spcBef>
+                <a:spcPts val="0"/>
+              </a:spcBef>
+              <a:spcAft>
+                <a:spcPts val="0"/>
+              </a:spcAft>
+              <a:buNone/>
+            </a:pPr>
+            <a:r>
+              <a:rPr lang="es-MX" dirty="0" smtClean="0"/>
+              <a:t>Noticias del Día</a:t>
+            </a:r>
+            <a:endParaRPr lang="es-MX" dirty="0"/>
+          </a:p>
+        </p:txBody>
+      </p:sp>
+      <p:sp>
+        <p:nvSpPr>
+          <p:cNvPr id="222" name="Google Shape;222;p14"/>
+          <p:cNvSpPr txBox="1">
+            <a:spLocks noGrp="1"/>
+          </p:cNvSpPr>
+          <p:nvPr>
+            <p:ph type="subTitle" idx="1"/>
+          </p:nvPr>
+        </p:nvSpPr>
+        <p:spPr>
+          <a:xfrm>
+            <a:off x="463525" y="3975449"/>
+            <a:ext cx="4094400" cy="784800"/>
+          </a:xfrm>
+          <a:prstGeom prst="rect">
+            <a:avLst/>
+          </a:prstGeom>
+        </p:spPr>
+        <p:txBody>
+          <a:bodyPr spcFirstLastPara="1" wrap="square" lIns="91425" tIns="91425" rIns="91425" bIns="91425" anchor="t" anchorCtr="0">
+            <a:noAutofit/>
+          </a:bodyPr>
+          <a:lstStyle/>
+          <a:p>
+            <a:pPr marL="0" lvl="0" indent="0" rtl="0">
+              <a:spcBef>
+                <a:spcPts val="0"/>
+              </a:spcBef>
+              <a:spcAft>
+                <a:spcPts val="1000"/>
+              </a:spcAft>
+              <a:buNone/>
+            </a:pPr>
+            <a:endParaRPr lang="es-MX" dirty="0"/>
+          </a:p>
+        </p:txBody>
+      </p:sp>
+      <p:sp>
+        <p:nvSpPr>
+          <p:cNvPr id="223" name="Google Shape;223;p14"/>
+          <p:cNvSpPr txBox="1">
+            <a:spLocks noGrp="1"/>
+          </p:cNvSpPr>
+          <p:nvPr>
+            <p:ph type="sldNum" idx="12"/>
+          </p:nvPr>
+        </p:nvSpPr>
+        <p:spPr>
+          <a:xfrm>
+            <a:off x="7618000" y="4636500"/>
+            <a:ext cx="1487400" cy="315600"/>
+          </a:xfrm>
+          <a:prstGeom prst="rect">
+            <a:avLst/>
+          </a:prstGeom>
+        </p:spPr>
+        <p:txBody>
+          <a:bodyPr spcFirstLastPara="1" wrap="square" lIns="91425" tIns="91425" rIns="91425" bIns="91425" anchor="ctr" anchorCtr="0">
+            <a:noAutofit/>
+          </a:bodyPr>
+          <a:lstStyle/>
+          <a:p>
+            <a:pPr marL="0" lvl="0" indent="0">
+              <a:spcBef>
+                <a:spcPts val="0"/>
+              </a:spcBef>
+              <a:spcAft>
+                <a:spcPts val="0"/>
+              </a:spcAft>
+              <a:buNone/>
+            </a:pPr>
+            <a:fld id="{00000000-1234-1234-1234-123412341234}" type="slidenum">
+              <a:rPr lang="en"/>
+              <a:t>2</a:t>
+            </a:fld>
+            <a:endParaRPr/>
+          </a:p>
+        </p:txBody>
+      </p:sp>
+      <p:sp>
+        <p:nvSpPr>
+          <p:cNvPr id="224" name="Google Shape;224;p14"/>
+          <p:cNvSpPr txBox="1"/>
+          <p:nvPr/>
+        </p:nvSpPr>
+        <p:spPr>
+          <a:xfrm>
+            <a:off x="463525" y="0"/>
+            <a:ext cx="2181600" cy="3136200"/>
+          </a:xfrm>
+          <a:prstGeom prst="rect">
+            <a:avLst/>
+          </a:prstGeom>
+          <a:noFill/>
+          <a:ln>
+            <a:noFill/>
+          </a:ln>
+        </p:spPr>
+        <p:txBody>
+          <a:bodyPr spcFirstLastPara="1" wrap="square" lIns="91425" tIns="91425" rIns="91425" bIns="91425" anchor="b" anchorCtr="0">
+            <a:noAutofit/>
+          </a:bodyPr>
+          <a:lstStyle/>
+          <a:p>
+            <a:pPr marL="0" lvl="0" indent="0">
+              <a:spcBef>
+                <a:spcPts val="0"/>
+              </a:spcBef>
+              <a:spcAft>
+                <a:spcPts val="0"/>
+              </a:spcAft>
+              <a:buNone/>
+            </a:pPr>
+            <a:r>
+              <a:rPr lang="en" sz="12000" b="1" dirty="0">
+                <a:solidFill>
+                  <a:srgbClr val="3F5378"/>
+                </a:solidFill>
+                <a:latin typeface="Roboto Condensed"/>
+                <a:ea typeface="Roboto Condensed"/>
+                <a:cs typeface="Roboto Condensed"/>
+                <a:sym typeface="Roboto Condensed"/>
+              </a:rPr>
+              <a:t>1</a:t>
+            </a:r>
+            <a:endParaRPr sz="3000" b="1" dirty="0">
+              <a:solidFill>
+                <a:srgbClr val="3F5378"/>
+              </a:solidFill>
+              <a:latin typeface="Roboto Condensed"/>
+              <a:ea typeface="Roboto Condensed"/>
+              <a:cs typeface="Roboto Condensed"/>
+              <a:sym typeface="Roboto Condensed"/>
+            </a:endParaRPr>
+          </a:p>
+        </p:txBody>
+      </p:sp>
+    </p:spTree>
+  </p:cSld>
+  <p:clrMapOvr>
+    <a:masterClrMapping/>
+  </p:clrMapOvr>
+</p:sld>
+</file>
+
+<file path=ppt/slides/slide20.xml><?xml version="1.0" encoding="utf-8"?>
 <p:sld xmlns:a="http://schemas.openxmlformats.org/drawingml/2006/main" xmlns:r="http://schemas.openxmlformats.org/officeDocument/2006/relationships" xmlns:p="http://schemas.openxmlformats.org/presentationml/2006/main">
   <p:cSld>
     <p:spTree>
@@ -7034,7 +7883,7 @@
           <a:p>
             <a:fld id="{FCDD6BAC-CCD5-4E98-95CD-357AD7155BD4}" type="slidenum">
               <a:rPr lang="en-US" smtClean="0"/>
-              <a:t>16</a:t>
+              <a:t>20</a:t>
             </a:fld>
             <a:endParaRPr lang="en-US"/>
           </a:p>
@@ -7053,7 +7902,7 @@
 </p:sld>
 </file>
 
-<file path=ppt/slides/slide17.xml><?xml version="1.0" encoding="utf-8"?>
+<file path=ppt/slides/slide21.xml><?xml version="1.0" encoding="utf-8"?>
 <p:sld xmlns:a="http://schemas.openxmlformats.org/drawingml/2006/main" xmlns:r="http://schemas.openxmlformats.org/officeDocument/2006/relationships" xmlns:p="http://schemas.openxmlformats.org/presentationml/2006/main">
   <p:cSld>
     <p:spTree>
@@ -7152,7 +8001,7 @@
             </a:pPr>
             <a:fld id="{00000000-1234-1234-1234-123412341234}" type="slidenum">
               <a:rPr lang="es-MX" smtClean="0"/>
-              <a:t>17</a:t>
+              <a:t>21</a:t>
             </a:fld>
             <a:endParaRPr lang="es-MX"/>
           </a:p>
@@ -7171,7 +8020,7 @@
 </p:sld>
 </file>
 
-<file path=ppt/slides/slide18.xml><?xml version="1.0" encoding="utf-8"?>
+<file path=ppt/slides/slide22.xml><?xml version="1.0" encoding="utf-8"?>
 <p:sld xmlns:a="http://schemas.openxmlformats.org/drawingml/2006/main" xmlns:r="http://schemas.openxmlformats.org/officeDocument/2006/relationships" xmlns:p="http://schemas.openxmlformats.org/presentationml/2006/main">
   <p:cSld>
     <p:spTree>
@@ -7214,7 +8063,7 @@
             </a:pPr>
             <a:fld id="{00000000-1234-1234-1234-123412341234}" type="slidenum">
               <a:rPr lang="es-MX" smtClean="0"/>
-              <a:t>18</a:t>
+              <a:t>22</a:t>
             </a:fld>
             <a:endParaRPr lang="es-MX"/>
           </a:p>
@@ -7222,49 +8071,80 @@
       </p:sp>
       <p:pic>
         <p:nvPicPr>
-          <p:cNvPr id="5" name="Picture 2" descr="The Three Laws of Robotics"/>
+          <p:cNvPr id="6" name="Imagen 5"/>
           <p:cNvPicPr>
-            <a:picLocks noChangeAspect="1" noChangeArrowheads="1"/>
+            <a:picLocks noChangeAspect="1"/>
           </p:cNvPicPr>
           <p:nvPr/>
         </p:nvPicPr>
         <p:blipFill>
-          <a:blip r:embed="rId2">
-            <a:extLst>
-              <a:ext uri="{28A0092B-C50C-407E-A947-70E740481C1C}">
-                <a14:useLocalDpi xmlns:a14="http://schemas.microsoft.com/office/drawing/2010/main" val="0"/>
-              </a:ext>
-            </a:extLst>
-          </a:blip>
-          <a:srcRect/>
+          <a:blip r:embed="rId2"/>
           <a:stretch>
             <a:fillRect/>
           </a:stretch>
         </p:blipFill>
-        <p:spPr bwMode="auto">
+        <p:spPr>
           <a:xfrm>
-            <a:off x="2481943" y="604032"/>
-            <a:ext cx="4121332" cy="3776784"/>
+            <a:off x="2011680" y="1490400"/>
+            <a:ext cx="5281204" cy="2079026"/>
+          </a:xfrm>
+          <a:prstGeom prst="rect">
+            <a:avLst/>
+          </a:prstGeom>
+        </p:spPr>
+      </p:pic>
+      <p:sp>
+        <p:nvSpPr>
+          <p:cNvPr id="7" name="Rectángulo 6"/>
+          <p:cNvSpPr/>
+          <p:nvPr/>
+        </p:nvSpPr>
+        <p:spPr>
+          <a:xfrm>
+            <a:off x="2011680" y="3272246"/>
+            <a:ext cx="1378131" cy="202474"/>
           </a:xfrm>
           <a:prstGeom prst="rect">
             <a:avLst/>
           </a:prstGeom>
           <a:noFill/>
-          <a:extLst>
-            <a:ext uri="{909E8E84-426E-40DD-AFC4-6F175D3DCCD1}">
-              <a14:hiddenFill xmlns:a14="http://schemas.microsoft.com/office/drawing/2010/main">
-                <a:solidFill>
-                  <a:srgbClr val="FFFFFF"/>
-                </a:solidFill>
-              </a14:hiddenFill>
-            </a:ext>
-          </a:extLst>
+          <a:ln w="9525" cap="flat" cmpd="sng" algn="ctr">
+            <a:solidFill>
+              <a:schemeClr val="accent6"/>
+            </a:solidFill>
+            <a:prstDash val="solid"/>
+            <a:round/>
+            <a:headEnd type="none" w="med" len="med"/>
+            <a:tailEnd type="none" w="med" len="med"/>
+          </a:ln>
         </p:spPr>
-      </p:pic>
+        <p:style>
+          <a:lnRef idx="0">
+            <a:scrgbClr r="0" g="0" b="0"/>
+          </a:lnRef>
+          <a:fillRef idx="0">
+            <a:scrgbClr r="0" g="0" b="0"/>
+          </a:fillRef>
+          <a:effectRef idx="0">
+            <a:scrgbClr r="0" g="0" b="0"/>
+          </a:effectRef>
+          <a:fontRef idx="minor">
+            <a:schemeClr val="accent6"/>
+          </a:fontRef>
+        </p:style>
+        <p:txBody>
+          <a:bodyPr rtlCol="0" anchor="ctr"/>
+          <a:lstStyle/>
+          <a:p>
+            <a:pPr algn="ctr"/>
+            <a:endParaRPr lang="es-MX"/>
+          </a:p>
+        </p:txBody>
+      </p:sp>
     </p:spTree>
     <p:extLst>
       <p:ext uri="{BB962C8B-B14F-4D97-AF65-F5344CB8AC3E}">
-        <p14:creationId xmlns:p14="http://schemas.microsoft.com/office/powerpoint/2010/main" val="1452778249"/>
+        <p14:creationId xmlns:p14="http://schemas.microsoft.com/office/powerpoint/2010/main" val="1741521932"/>
       </p:ext>
     </p:extLst>
   </p:cSld>
@@ -7274,7 +8154,7 @@
 </p:sld>
 </file>
 
-<file path=ppt/slides/slide19.xml><?xml version="1.0" encoding="utf-8"?>
+<file path=ppt/slides/slide23.xml><?xml version="1.0" encoding="utf-8"?>
 <p:sld xmlns:a="http://schemas.openxmlformats.org/drawingml/2006/main" xmlns:r="http://schemas.openxmlformats.org/officeDocument/2006/relationships" xmlns:p="http://schemas.openxmlformats.org/presentationml/2006/main">
   <p:cSld>
     <p:spTree>
@@ -7308,7 +8188,7 @@
           <a:p>
             <a:fld id="{FCDD6BAC-CCD5-4E98-95CD-357AD7155BD4}" type="slidenum">
               <a:rPr lang="en-US" smtClean="0"/>
-              <a:t>19</a:t>
+              <a:t>23</a:t>
             </a:fld>
             <a:endParaRPr lang="en-US"/>
           </a:p>
@@ -7409,212 +8289,7 @@
 </p:sld>
 </file>
 
-<file path=ppt/slides/slide2.xml><?xml version="1.0" encoding="utf-8"?>
-<p:sld xmlns:a="http://schemas.openxmlformats.org/drawingml/2006/main" xmlns:r="http://schemas.openxmlformats.org/officeDocument/2006/relationships" xmlns:p="http://schemas.openxmlformats.org/presentationml/2006/main">
-  <p:cSld>
-    <p:spTree>
-      <p:nvGrpSpPr>
-        <p:cNvPr id="1" name="Shape 220"/>
-        <p:cNvGrpSpPr/>
-        <p:nvPr/>
-      </p:nvGrpSpPr>
-      <p:grpSpPr>
-        <a:xfrm>
-          <a:off x="0" y="0"/>
-          <a:ext cx="0" cy="0"/>
-          <a:chOff x="0" y="0"/>
-          <a:chExt cx="0" cy="0"/>
-        </a:xfrm>
-      </p:grpSpPr>
-      <p:sp>
-        <p:nvSpPr>
-          <p:cNvPr id="221" name="Google Shape;221;p14"/>
-          <p:cNvSpPr txBox="1">
-            <a:spLocks noGrp="1"/>
-          </p:cNvSpPr>
-          <p:nvPr>
-            <p:ph type="ctrTitle"/>
-          </p:nvPr>
-        </p:nvSpPr>
-        <p:spPr>
-          <a:xfrm>
-            <a:off x="463525" y="2871148"/>
-            <a:ext cx="4094400" cy="1159800"/>
-          </a:xfrm>
-          <a:prstGeom prst="rect">
-            <a:avLst/>
-          </a:prstGeom>
-        </p:spPr>
-        <p:txBody>
-          <a:bodyPr spcFirstLastPara="1" wrap="square" lIns="91425" tIns="91425" rIns="91425" bIns="91425" anchor="b" anchorCtr="0">
-            <a:noAutofit/>
-          </a:bodyPr>
-          <a:lstStyle/>
-          <a:p>
-            <a:pPr marL="0" lvl="0" indent="0" rtl="0">
-              <a:spcBef>
-                <a:spcPts val="0"/>
-              </a:spcBef>
-              <a:spcAft>
-                <a:spcPts val="0"/>
-              </a:spcAft>
-              <a:buNone/>
-            </a:pPr>
-            <a:r>
-              <a:rPr lang="es-MX" dirty="0" smtClean="0"/>
-              <a:t>Noticias del Día</a:t>
-            </a:r>
-            <a:endParaRPr lang="es-MX" dirty="0"/>
-          </a:p>
-        </p:txBody>
-      </p:sp>
-      <p:sp>
-        <p:nvSpPr>
-          <p:cNvPr id="222" name="Google Shape;222;p14"/>
-          <p:cNvSpPr txBox="1">
-            <a:spLocks noGrp="1"/>
-          </p:cNvSpPr>
-          <p:nvPr>
-            <p:ph type="subTitle" idx="1"/>
-          </p:nvPr>
-        </p:nvSpPr>
-        <p:spPr>
-          <a:xfrm>
-            <a:off x="463525" y="3975449"/>
-            <a:ext cx="4094400" cy="784800"/>
-          </a:xfrm>
-          <a:prstGeom prst="rect">
-            <a:avLst/>
-          </a:prstGeom>
-        </p:spPr>
-        <p:txBody>
-          <a:bodyPr spcFirstLastPara="1" wrap="square" lIns="91425" tIns="91425" rIns="91425" bIns="91425" anchor="t" anchorCtr="0">
-            <a:noAutofit/>
-          </a:bodyPr>
-          <a:lstStyle/>
-          <a:p>
-            <a:pPr marL="0" lvl="0" indent="0" rtl="0">
-              <a:spcBef>
-                <a:spcPts val="0"/>
-              </a:spcBef>
-              <a:spcAft>
-                <a:spcPts val="1000"/>
-              </a:spcAft>
-              <a:buNone/>
-            </a:pPr>
-            <a:endParaRPr lang="es-MX" dirty="0"/>
-          </a:p>
-        </p:txBody>
-      </p:sp>
-      <p:sp>
-        <p:nvSpPr>
-          <p:cNvPr id="223" name="Google Shape;223;p14"/>
-          <p:cNvSpPr txBox="1">
-            <a:spLocks noGrp="1"/>
-          </p:cNvSpPr>
-          <p:nvPr>
-            <p:ph type="sldNum" idx="12"/>
-          </p:nvPr>
-        </p:nvSpPr>
-        <p:spPr>
-          <a:xfrm>
-            <a:off x="7618000" y="4636500"/>
-            <a:ext cx="1487400" cy="315600"/>
-          </a:xfrm>
-          <a:prstGeom prst="rect">
-            <a:avLst/>
-          </a:prstGeom>
-        </p:spPr>
-        <p:txBody>
-          <a:bodyPr spcFirstLastPara="1" wrap="square" lIns="91425" tIns="91425" rIns="91425" bIns="91425" anchor="ctr" anchorCtr="0">
-            <a:noAutofit/>
-          </a:bodyPr>
-          <a:lstStyle/>
-          <a:p>
-            <a:pPr marL="0" lvl="0" indent="0">
-              <a:spcBef>
-                <a:spcPts val="0"/>
-              </a:spcBef>
-              <a:spcAft>
-                <a:spcPts val="0"/>
-              </a:spcAft>
-              <a:buNone/>
-            </a:pPr>
-            <a:fld id="{00000000-1234-1234-1234-123412341234}" type="slidenum">
-              <a:rPr lang="en"/>
-              <a:t>2</a:t>
-            </a:fld>
-            <a:endParaRPr/>
-          </a:p>
-        </p:txBody>
-      </p:sp>
-      <p:sp>
-        <p:nvSpPr>
-          <p:cNvPr id="224" name="Google Shape;224;p14"/>
-          <p:cNvSpPr txBox="1"/>
-          <p:nvPr/>
-        </p:nvSpPr>
-        <p:spPr>
-          <a:xfrm>
-            <a:off x="463525" y="0"/>
-            <a:ext cx="2181600" cy="3136200"/>
-          </a:xfrm>
-          <a:prstGeom prst="rect">
-            <a:avLst/>
-          </a:prstGeom>
-          <a:noFill/>
-          <a:ln>
-            <a:noFill/>
-          </a:ln>
-        </p:spPr>
-        <p:txBody>
-          <a:bodyPr spcFirstLastPara="1" wrap="square" lIns="91425" tIns="91425" rIns="91425" bIns="91425" anchor="b" anchorCtr="0">
-            <a:noAutofit/>
-          </a:bodyPr>
-          <a:lstStyle/>
-          <a:p>
-            <a:pPr marL="0" lvl="0" indent="0">
-              <a:spcBef>
-                <a:spcPts val="0"/>
-              </a:spcBef>
-              <a:spcAft>
-                <a:spcPts val="0"/>
-              </a:spcAft>
-              <a:buNone/>
-            </a:pPr>
-            <a:r>
-              <a:rPr lang="en" sz="12000" b="1" dirty="0">
-                <a:solidFill>
-                  <a:srgbClr val="3F5378"/>
-                </a:solidFill>
-                <a:latin typeface="Roboto Condensed"/>
-                <a:ea typeface="Roboto Condensed"/>
-                <a:cs typeface="Roboto Condensed"/>
-                <a:sym typeface="Roboto Condensed"/>
-              </a:rPr>
-              <a:t>1</a:t>
-            </a:r>
-            <a:endParaRPr sz="3000" b="1" dirty="0">
-              <a:solidFill>
-                <a:srgbClr val="3F5378"/>
-              </a:solidFill>
-              <a:latin typeface="Roboto Condensed"/>
-              <a:ea typeface="Roboto Condensed"/>
-              <a:cs typeface="Roboto Condensed"/>
-              <a:sym typeface="Roboto Condensed"/>
-            </a:endParaRPr>
-          </a:p>
-        </p:txBody>
-      </p:sp>
-    </p:spTree>
-  </p:cSld>
-  <p:clrMapOvr>
-    <a:masterClrMapping/>
-  </p:clrMapOvr>
-</p:sld>
-</file>
-
-<file path=ppt/slides/slide20.xml><?xml version="1.0" encoding="utf-8"?>
+<file path=ppt/slides/slide24.xml><?xml version="1.0" encoding="utf-8"?>
 <p:sld xmlns:a="http://schemas.openxmlformats.org/drawingml/2006/main" xmlns:r="http://schemas.openxmlformats.org/officeDocument/2006/relationships" xmlns:p="http://schemas.openxmlformats.org/presentationml/2006/main">
   <p:cSld>
     <p:spTree>
@@ -7648,7 +8323,7 @@
           <a:p>
             <a:fld id="{FCDD6BAC-CCD5-4E98-95CD-357AD7155BD4}" type="slidenum">
               <a:rPr lang="en-US" smtClean="0"/>
-              <a:t>20</a:t>
+              <a:t>24</a:t>
             </a:fld>
             <a:endParaRPr lang="en-US"/>
           </a:p>
@@ -7732,7 +8407,7 @@
 </p:sld>
 </file>
 
-<file path=ppt/slides/slide21.xml><?xml version="1.0" encoding="utf-8"?>
+<file path=ppt/slides/slide25.xml><?xml version="1.0" encoding="utf-8"?>
 <p:sld xmlns:a="http://schemas.openxmlformats.org/drawingml/2006/main" xmlns:r="http://schemas.openxmlformats.org/officeDocument/2006/relationships" xmlns:p="http://schemas.openxmlformats.org/presentationml/2006/main">
   <p:cSld>
     <p:spTree>
@@ -7836,7 +8511,7 @@
           <a:p>
             <a:fld id="{FCDD6BAC-CCD5-4E98-95CD-357AD7155BD4}" type="slidenum">
               <a:rPr lang="en-US" smtClean="0"/>
-              <a:t>21</a:t>
+              <a:t>25</a:t>
             </a:fld>
             <a:endParaRPr lang="en-US"/>
           </a:p>
@@ -7855,7 +8530,7 @@
 </p:sld>
 </file>
 
-<file path=ppt/slides/slide22.xml><?xml version="1.0" encoding="utf-8"?>
+<file path=ppt/slides/slide26.xml><?xml version="1.0" encoding="utf-8"?>
 <p:sld xmlns:a="http://schemas.openxmlformats.org/drawingml/2006/main" xmlns:r="http://schemas.openxmlformats.org/officeDocument/2006/relationships" xmlns:p="http://schemas.openxmlformats.org/presentationml/2006/main">
   <p:cSld>
     <p:spTree>
@@ -7963,7 +8638,7 @@
             </a:pPr>
             <a:fld id="{00000000-1234-1234-1234-123412341234}" type="slidenum">
               <a:rPr lang="es-MX" smtClean="0"/>
-              <a:t>22</a:t>
+              <a:t>26</a:t>
             </a:fld>
             <a:endParaRPr lang="es-MX"/>
           </a:p>
@@ -7982,7 +8657,7 @@
 </p:sld>
 </file>
 
-<file path=ppt/slides/slide23.xml><?xml version="1.0" encoding="utf-8"?>
+<file path=ppt/slides/slide27.xml><?xml version="1.0" encoding="utf-8"?>
 <p:sld xmlns:a="http://schemas.openxmlformats.org/drawingml/2006/main" xmlns:r="http://schemas.openxmlformats.org/officeDocument/2006/relationships" xmlns:p="http://schemas.openxmlformats.org/presentationml/2006/main">
   <p:cSld>
     <p:spTree>
@@ -8098,7 +8773,7 @@
             </a:pPr>
             <a:fld id="{00000000-1234-1234-1234-123412341234}" type="slidenum">
               <a:rPr lang="es-MX" smtClean="0"/>
-              <a:t>23</a:t>
+              <a:t>27</a:t>
             </a:fld>
             <a:endParaRPr lang="es-MX"/>
           </a:p>
@@ -8158,7 +8833,7 @@
 </p:sld>
 </file>
 
-<file path=ppt/slides/slide24.xml><?xml version="1.0" encoding="utf-8"?>
+<file path=ppt/slides/slide28.xml><?xml version="1.0" encoding="utf-8"?>
 <p:sld xmlns:a="http://schemas.openxmlformats.org/drawingml/2006/main" xmlns:r="http://schemas.openxmlformats.org/officeDocument/2006/relationships" xmlns:p="http://schemas.openxmlformats.org/presentationml/2006/main">
   <p:cSld>
     <p:spTree>
@@ -8220,7 +8895,7 @@
             </a:pPr>
             <a:fld id="{00000000-1234-1234-1234-123412341234}" type="slidenum">
               <a:rPr lang="es-MX" smtClean="0"/>
-              <a:t>24</a:t>
+              <a:t>28</a:t>
             </a:fld>
             <a:endParaRPr lang="es-MX"/>
           </a:p>
@@ -8324,7 +8999,7 @@
 </p:sld>
 </file>
 
-<file path=ppt/slides/slide25.xml><?xml version="1.0" encoding="utf-8"?>
+<file path=ppt/slides/slide29.xml><?xml version="1.0" encoding="utf-8"?>
 <p:sld xmlns:a="http://schemas.openxmlformats.org/drawingml/2006/main" xmlns:r="http://schemas.openxmlformats.org/officeDocument/2006/relationships" xmlns:p="http://schemas.openxmlformats.org/presentationml/2006/main">
   <p:cSld>
     <p:spTree>
@@ -8419,7 +9094,7 @@
             </a:pPr>
             <a:fld id="{00000000-1234-1234-1234-123412341234}" type="slidenum">
               <a:rPr lang="es-MX" smtClean="0"/>
-              <a:t>25</a:t>
+              <a:t>29</a:t>
             </a:fld>
             <a:endParaRPr lang="es-MX"/>
           </a:p>
@@ -8543,6 +9218,187 @@
     <p:extLst>
       <p:ext uri="{BB962C8B-B14F-4D97-AF65-F5344CB8AC3E}">
         <p14:creationId xmlns:p14="http://schemas.microsoft.com/office/powerpoint/2010/main" val="2356584515"/>
+      </p:ext>
+    </p:extLst>
+  </p:cSld>
+  <p:clrMapOvr>
+    <a:masterClrMapping/>
+  </p:clrMapOvr>
+</p:sld>
+</file>
+
+<file path=ppt/slides/slide30.xml><?xml version="1.0" encoding="utf-8"?>
+<p:sld xmlns:a="http://schemas.openxmlformats.org/drawingml/2006/main" xmlns:r="http://schemas.openxmlformats.org/officeDocument/2006/relationships" xmlns:p="http://schemas.openxmlformats.org/presentationml/2006/main">
+  <p:cSld>
+    <p:spTree>
+      <p:nvGrpSpPr>
+        <p:cNvPr id="1" name=""/>
+        <p:cNvGrpSpPr/>
+        <p:nvPr/>
+      </p:nvGrpSpPr>
+      <p:grpSpPr>
+        <a:xfrm>
+          <a:off x="0" y="0"/>
+          <a:ext cx="0" cy="0"/>
+          <a:chOff x="0" y="0"/>
+          <a:chExt cx="0" cy="0"/>
+        </a:xfrm>
+      </p:grpSpPr>
+      <p:sp>
+        <p:nvSpPr>
+          <p:cNvPr id="2" name="Título 1"/>
+          <p:cNvSpPr>
+            <a:spLocks noGrp="1"/>
+          </p:cNvSpPr>
+          <p:nvPr>
+            <p:ph type="title"/>
+          </p:nvPr>
+        </p:nvSpPr>
+        <p:spPr/>
+        <p:txBody>
+          <a:bodyPr/>
+          <a:lstStyle/>
+          <a:p>
+            <a:endParaRPr lang="es-MX"/>
+          </a:p>
+        </p:txBody>
+      </p:sp>
+      <p:sp>
+        <p:nvSpPr>
+          <p:cNvPr id="3" name="Marcador de texto 2"/>
+          <p:cNvSpPr>
+            <a:spLocks noGrp="1"/>
+          </p:cNvSpPr>
+          <p:nvPr>
+            <p:ph type="body" idx="1"/>
+          </p:nvPr>
+        </p:nvSpPr>
+        <p:spPr>
+          <a:xfrm>
+            <a:off x="814275" y="1327350"/>
+            <a:ext cx="3992856" cy="2826639"/>
+          </a:xfrm>
+        </p:spPr>
+        <p:txBody>
+          <a:bodyPr/>
+          <a:lstStyle/>
+          <a:p>
+            <a:r>
+              <a:rPr lang="es-MX" sz="1600" dirty="0" smtClean="0"/>
+              <a:t>Tarea:</a:t>
+            </a:r>
+          </a:p>
+          <a:p>
+            <a:pPr lvl="1"/>
+            <a:r>
+              <a:rPr lang="es-MX" sz="1600" dirty="0" smtClean="0"/>
+              <a:t>Elegir una AI de una película.</a:t>
+            </a:r>
+          </a:p>
+          <a:p>
+            <a:pPr lvl="1"/>
+            <a:r>
+              <a:rPr lang="es-MX" sz="1600" dirty="0" smtClean="0"/>
+              <a:t>Describir sus 4 elementos que comprenden racionalidad.</a:t>
+            </a:r>
+          </a:p>
+          <a:p>
+            <a:pPr lvl="1"/>
+            <a:r>
+              <a:rPr lang="es-MX" sz="1600" dirty="0" smtClean="0"/>
+              <a:t>Hacer una presentación.</a:t>
+            </a:r>
+          </a:p>
+          <a:p>
+            <a:pPr lvl="1"/>
+            <a:r>
+              <a:rPr lang="es-MX" sz="1600" dirty="0" smtClean="0"/>
+              <a:t>Van a presentar 3 personas al azar.</a:t>
+            </a:r>
+          </a:p>
+          <a:p>
+            <a:pPr lvl="1"/>
+            <a:endParaRPr lang="es-MX" sz="1600" dirty="0"/>
+          </a:p>
+        </p:txBody>
+      </p:sp>
+      <p:sp>
+        <p:nvSpPr>
+          <p:cNvPr id="4" name="Marcador de número de diapositiva 3"/>
+          <p:cNvSpPr>
+            <a:spLocks noGrp="1"/>
+          </p:cNvSpPr>
+          <p:nvPr>
+            <p:ph type="sldNum" idx="12"/>
+          </p:nvPr>
+        </p:nvSpPr>
+        <p:spPr/>
+        <p:txBody>
+          <a:bodyPr/>
+          <a:lstStyle/>
+          <a:p>
+            <a:pPr marL="0" lvl="0" indent="0">
+              <a:spcBef>
+                <a:spcPts val="0"/>
+              </a:spcBef>
+              <a:spcAft>
+                <a:spcPts val="0"/>
+              </a:spcAft>
+              <a:buNone/>
+            </a:pPr>
+            <a:fld id="{00000000-1234-1234-1234-123412341234}" type="slidenum">
+              <a:rPr lang="es-MX" smtClean="0"/>
+              <a:t>30</a:t>
+            </a:fld>
+            <a:endParaRPr lang="es-MX"/>
+          </a:p>
+        </p:txBody>
+      </p:sp>
+      <p:pic>
+        <p:nvPicPr>
+          <p:cNvPr id="1026" name="Picture 2" descr="Image result for oscar"/>
+          <p:cNvPicPr>
+            <a:picLocks noChangeAspect="1" noChangeArrowheads="1"/>
+          </p:cNvPicPr>
+          <p:nvPr/>
+        </p:nvPicPr>
+        <p:blipFill>
+          <a:blip r:embed="rId2">
+            <a:extLst>
+              <a:ext uri="{28A0092B-C50C-407E-A947-70E740481C1C}">
+                <a14:useLocalDpi xmlns:a14="http://schemas.microsoft.com/office/drawing/2010/main" val="0"/>
+              </a:ext>
+            </a:extLst>
+          </a:blip>
+          <a:srcRect/>
+          <a:stretch>
+            <a:fillRect/>
+          </a:stretch>
+        </p:blipFill>
+        <p:spPr bwMode="auto">
+          <a:xfrm>
+            <a:off x="6413744" y="1913708"/>
+            <a:ext cx="1346864" cy="2441576"/>
+          </a:xfrm>
+          <a:prstGeom prst="rect">
+            <a:avLst/>
+          </a:prstGeom>
+          <a:noFill/>
+          <a:extLst>
+            <a:ext uri="{909E8E84-426E-40DD-AFC4-6F175D3DCCD1}">
+              <a14:hiddenFill xmlns:a14="http://schemas.microsoft.com/office/drawing/2010/main">
+                <a:solidFill>
+                  <a:srgbClr val="FFFFFF"/>
+                </a:solidFill>
+              </a14:hiddenFill>
+            </a:ext>
+          </a:extLst>
+        </p:spPr>
+      </p:pic>
+    </p:spTree>
+    <p:extLst>
+      <p:ext uri="{BB962C8B-B14F-4D97-AF65-F5344CB8AC3E}">
+        <p14:creationId xmlns:p14="http://schemas.microsoft.com/office/powerpoint/2010/main" val="1402428115"/>
       </p:ext>
     </p:extLst>
   </p:cSld>
